--- a/fig/recovery-2.pptx
+++ b/fig/recovery-2.pptx
@@ -243,7 +243,7 @@
           <a:p>
             <a:fld id="{517EAB4C-991F-B74B-AAA3-F9EB6CA7F48D}" type="datetimeFigureOut">
               <a:rPr kumimoji="1" lang="zh-CN" altLang="en-US" smtClean="0"/>
-              <a:t>2021/1/1</a:t>
+              <a:t>2021/1/24</a:t>
             </a:fld>
             <a:endParaRPr kumimoji="1" lang="zh-CN" altLang="en-US"/>
           </a:p>
@@ -413,7 +413,7 @@
           <a:p>
             <a:fld id="{517EAB4C-991F-B74B-AAA3-F9EB6CA7F48D}" type="datetimeFigureOut">
               <a:rPr kumimoji="1" lang="zh-CN" altLang="en-US" smtClean="0"/>
-              <a:t>2021/1/1</a:t>
+              <a:t>2021/1/24</a:t>
             </a:fld>
             <a:endParaRPr kumimoji="1" lang="zh-CN" altLang="en-US"/>
           </a:p>
@@ -593,7 +593,7 @@
           <a:p>
             <a:fld id="{517EAB4C-991F-B74B-AAA3-F9EB6CA7F48D}" type="datetimeFigureOut">
               <a:rPr kumimoji="1" lang="zh-CN" altLang="en-US" smtClean="0"/>
-              <a:t>2021/1/1</a:t>
+              <a:t>2021/1/24</a:t>
             </a:fld>
             <a:endParaRPr kumimoji="1" lang="zh-CN" altLang="en-US"/>
           </a:p>
@@ -763,7 +763,7 @@
           <a:p>
             <a:fld id="{517EAB4C-991F-B74B-AAA3-F9EB6CA7F48D}" type="datetimeFigureOut">
               <a:rPr kumimoji="1" lang="zh-CN" altLang="en-US" smtClean="0"/>
-              <a:t>2021/1/1</a:t>
+              <a:t>2021/1/24</a:t>
             </a:fld>
             <a:endParaRPr kumimoji="1" lang="zh-CN" altLang="en-US"/>
           </a:p>
@@ -1007,7 +1007,7 @@
           <a:p>
             <a:fld id="{517EAB4C-991F-B74B-AAA3-F9EB6CA7F48D}" type="datetimeFigureOut">
               <a:rPr kumimoji="1" lang="zh-CN" altLang="en-US" smtClean="0"/>
-              <a:t>2021/1/1</a:t>
+              <a:t>2021/1/24</a:t>
             </a:fld>
             <a:endParaRPr kumimoji="1" lang="zh-CN" altLang="en-US"/>
           </a:p>
@@ -1239,7 +1239,7 @@
           <a:p>
             <a:fld id="{517EAB4C-991F-B74B-AAA3-F9EB6CA7F48D}" type="datetimeFigureOut">
               <a:rPr kumimoji="1" lang="zh-CN" altLang="en-US" smtClean="0"/>
-              <a:t>2021/1/1</a:t>
+              <a:t>2021/1/24</a:t>
             </a:fld>
             <a:endParaRPr kumimoji="1" lang="zh-CN" altLang="en-US"/>
           </a:p>
@@ -1606,7 +1606,7 @@
           <a:p>
             <a:fld id="{517EAB4C-991F-B74B-AAA3-F9EB6CA7F48D}" type="datetimeFigureOut">
               <a:rPr kumimoji="1" lang="zh-CN" altLang="en-US" smtClean="0"/>
-              <a:t>2021/1/1</a:t>
+              <a:t>2021/1/24</a:t>
             </a:fld>
             <a:endParaRPr kumimoji="1" lang="zh-CN" altLang="en-US"/>
           </a:p>
@@ -1724,7 +1724,7 @@
           <a:p>
             <a:fld id="{517EAB4C-991F-B74B-AAA3-F9EB6CA7F48D}" type="datetimeFigureOut">
               <a:rPr kumimoji="1" lang="zh-CN" altLang="en-US" smtClean="0"/>
-              <a:t>2021/1/1</a:t>
+              <a:t>2021/1/24</a:t>
             </a:fld>
             <a:endParaRPr kumimoji="1" lang="zh-CN" altLang="en-US"/>
           </a:p>
@@ -1819,7 +1819,7 @@
           <a:p>
             <a:fld id="{517EAB4C-991F-B74B-AAA3-F9EB6CA7F48D}" type="datetimeFigureOut">
               <a:rPr kumimoji="1" lang="zh-CN" altLang="en-US" smtClean="0"/>
-              <a:t>2021/1/1</a:t>
+              <a:t>2021/1/24</a:t>
             </a:fld>
             <a:endParaRPr kumimoji="1" lang="zh-CN" altLang="en-US"/>
           </a:p>
@@ -2096,7 +2096,7 @@
           <a:p>
             <a:fld id="{517EAB4C-991F-B74B-AAA3-F9EB6CA7F48D}" type="datetimeFigureOut">
               <a:rPr kumimoji="1" lang="zh-CN" altLang="en-US" smtClean="0"/>
-              <a:t>2021/1/1</a:t>
+              <a:t>2021/1/24</a:t>
             </a:fld>
             <a:endParaRPr kumimoji="1" lang="zh-CN" altLang="en-US"/>
           </a:p>
@@ -2353,7 +2353,7 @@
           <a:p>
             <a:fld id="{517EAB4C-991F-B74B-AAA3-F9EB6CA7F48D}" type="datetimeFigureOut">
               <a:rPr kumimoji="1" lang="zh-CN" altLang="en-US" smtClean="0"/>
-              <a:t>2021/1/1</a:t>
+              <a:t>2021/1/24</a:t>
             </a:fld>
             <a:endParaRPr kumimoji="1" lang="zh-CN" altLang="en-US"/>
           </a:p>
@@ -2566,7 +2566,7 @@
           <a:p>
             <a:fld id="{517EAB4C-991F-B74B-AAA3-F9EB6CA7F48D}" type="datetimeFigureOut">
               <a:rPr kumimoji="1" lang="zh-CN" altLang="en-US" smtClean="0"/>
-              <a:t>2021/1/1</a:t>
+              <a:t>2021/1/24</a:t>
             </a:fld>
             <a:endParaRPr kumimoji="1" lang="zh-CN" altLang="en-US"/>
           </a:p>
@@ -3685,6 +3685,103 @@
           </a:p>
         </p:txBody>
       </p:sp>
+      <p:cxnSp>
+        <p:nvCxnSpPr>
+          <p:cNvPr id="14" name="直线连接符 13">
+            <a:extLst>
+              <a:ext uri="{FF2B5EF4-FFF2-40B4-BE49-F238E27FC236}">
+                <a16:creationId xmlns:a16="http://schemas.microsoft.com/office/drawing/2014/main" id="{58D578EC-C47E-4446-9A4B-5CC46E7CFCF1}"/>
+              </a:ext>
+            </a:extLst>
+          </p:cNvPr>
+          <p:cNvCxnSpPr>
+            <a:cxnSpLocks/>
+          </p:cNvCxnSpPr>
+          <p:nvPr/>
+        </p:nvCxnSpPr>
+        <p:spPr>
+          <a:xfrm>
+            <a:off x="2598456" y="868676"/>
+            <a:ext cx="1113832" cy="679569"/>
+          </a:xfrm>
+          <a:prstGeom prst="line">
+            <a:avLst/>
+          </a:prstGeom>
+          <a:ln w="50800">
+            <a:solidFill>
+              <a:schemeClr val="tx1"/>
+            </a:solidFill>
+          </a:ln>
+        </p:spPr>
+        <p:style>
+          <a:lnRef idx="1">
+            <a:schemeClr val="accent1"/>
+          </a:lnRef>
+          <a:fillRef idx="0">
+            <a:schemeClr val="accent1"/>
+          </a:fillRef>
+          <a:effectRef idx="0">
+            <a:schemeClr val="accent1"/>
+          </a:effectRef>
+          <a:fontRef idx="minor">
+            <a:schemeClr val="tx1"/>
+          </a:fontRef>
+        </p:style>
+      </p:cxnSp>
+      <p:sp>
+        <p:nvSpPr>
+          <p:cNvPr id="16" name="十字形 15">
+            <a:extLst>
+              <a:ext uri="{FF2B5EF4-FFF2-40B4-BE49-F238E27FC236}">
+                <a16:creationId xmlns:a16="http://schemas.microsoft.com/office/drawing/2014/main" id="{F89F05E1-FA9D-C247-8B20-39A8189BEA53}"/>
+              </a:ext>
+            </a:extLst>
+          </p:cNvPr>
+          <p:cNvSpPr/>
+          <p:nvPr/>
+        </p:nvSpPr>
+        <p:spPr>
+          <a:xfrm rot="20875659">
+            <a:off x="2837303" y="867045"/>
+            <a:ext cx="534010" cy="557775"/>
+          </a:xfrm>
+          <a:prstGeom prst="plus">
+            <a:avLst>
+              <a:gd name="adj" fmla="val 43151"/>
+            </a:avLst>
+          </a:prstGeom>
+          <a:solidFill>
+            <a:srgbClr val="FF0000"/>
+          </a:solidFill>
+          <a:ln>
+            <a:noFill/>
+          </a:ln>
+        </p:spPr>
+        <p:style>
+          <a:lnRef idx="2">
+            <a:schemeClr val="accent1">
+              <a:shade val="50000"/>
+            </a:schemeClr>
+          </a:lnRef>
+          <a:fillRef idx="1">
+            <a:schemeClr val="accent1"/>
+          </a:fillRef>
+          <a:effectRef idx="0">
+            <a:schemeClr val="accent1"/>
+          </a:effectRef>
+          <a:fontRef idx="minor">
+            <a:schemeClr val="lt1"/>
+          </a:fontRef>
+        </p:style>
+        <p:txBody>
+          <a:bodyPr rtlCol="0" anchor="ctr"/>
+          <a:lstStyle/>
+          <a:p>
+            <a:pPr algn="ctr"/>
+            <a:endParaRPr kumimoji="1" lang="zh-CN" altLang="en-US" dirty="0"/>
+          </a:p>
+        </p:txBody>
+      </p:sp>
     </p:spTree>
     <p:extLst>
       <p:ext uri="{BB962C8B-B14F-4D97-AF65-F5344CB8AC3E}">
